--- a/Algorithms/K - nearest neighbours/KNN.pptx
+++ b/Algorithms/K - nearest neighbours/KNN.pptx
@@ -6,6 +6,8 @@
   </p:sldMasterIdLst>
   <p:sldIdLst>
     <p:sldId id="256" r:id="rId2"/>
+    <p:sldId id="258" r:id="rId3"/>
+    <p:sldId id="257" r:id="rId4"/>
   </p:sldIdLst>
   <p:sldSz cx="12192000" cy="6858000"/>
   <p:notesSz cx="6858000" cy="9144000"/>
@@ -104,6 +106,11 @@
       </a:defRPr>
     </a:lvl9pPr>
   </p:defaultTextStyle>
+  <p:extLst>
+    <p:ext uri="{EFAFB233-063F-42B5-8137-9DF3F51BA10A}">
+      <p15:sldGuideLst xmlns:p15="http://schemas.microsoft.com/office/powerpoint/2012/main"/>
+    </p:ext>
+  </p:extLst>
 </p:presentation>
 </file>
 
@@ -3351,10 +3358,316 @@
           </a:prstGeom>
         </p:spPr>
       </p:pic>
+      <mc:AlternateContent xmlns:mc="http://schemas.openxmlformats.org/markup-compatibility/2006">
+        <mc:Choice xmlns:a14="http://schemas.microsoft.com/office/drawing/2010/main" Requires="a14">
+          <p:sp>
+            <p:nvSpPr>
+              <p:cNvPr id="2" name="TextBox 1">
+                <a:extLst>
+                  <a:ext uri="{FF2B5EF4-FFF2-40B4-BE49-F238E27FC236}">
+                    <a16:creationId xmlns:a16="http://schemas.microsoft.com/office/drawing/2014/main" id="{7640F7B7-F401-C833-2F4F-F720CEF7CD25}"/>
+                  </a:ext>
+                </a:extLst>
+              </p:cNvPr>
+              <p:cNvSpPr txBox="1"/>
+              <p:nvPr/>
+            </p:nvSpPr>
+            <p:spPr>
+              <a:xfrm>
+                <a:off x="785813" y="6200775"/>
+                <a:ext cx="3654847" cy="427746"/>
+              </a:xfrm>
+              <a:prstGeom prst="rect">
+                <a:avLst/>
+              </a:prstGeom>
+              <a:noFill/>
+            </p:spPr>
+            <p:txBody>
+              <a:bodyPr wrap="none" rtlCol="0">
+                <a:spAutoFit/>
+              </a:bodyPr>
+              <a:lstStyle/>
+              <a:p>
+                <a:r>
+                  <a:rPr lang="en-US" dirty="0"/>
+                  <a:t>Optimal K value: </a:t>
+                </a:r>
+                <a14:m>
+                  <m:oMath xmlns:m="http://schemas.openxmlformats.org/officeDocument/2006/math">
+                    <m:rad>
+                      <m:radPr>
+                        <m:degHide m:val="on"/>
+                        <m:ctrlPr>
+                          <a:rPr lang="en-US" smtClean="0">
+                            <a:latin typeface="Cambria Math" panose="02040503050406030204" pitchFamily="18" charset="0"/>
+                          </a:rPr>
+                        </m:ctrlPr>
+                      </m:radPr>
+                      <m:deg/>
+                      <m:e>
+                        <m:r>
+                          <a:rPr lang="en-US" b="0" i="1" smtClean="0">
+                            <a:latin typeface="Cambria Math" panose="02040503050406030204" pitchFamily="18" charset="0"/>
+                          </a:rPr>
+                          <m:t>𝑇𝑜𝑡𝑎𝑙</m:t>
+                        </m:r>
+                        <m:r>
+                          <a:rPr lang="en-US" b="0" i="1" smtClean="0">
+                            <a:latin typeface="Cambria Math" panose="02040503050406030204" pitchFamily="18" charset="0"/>
+                          </a:rPr>
+                          <m:t> </m:t>
+                        </m:r>
+                        <m:r>
+                          <a:rPr lang="en-US" b="0" i="1" smtClean="0">
+                            <a:latin typeface="Cambria Math" panose="02040503050406030204" pitchFamily="18" charset="0"/>
+                          </a:rPr>
+                          <m:t>𝑑𝑎𝑡𝑎</m:t>
+                        </m:r>
+                        <m:r>
+                          <a:rPr lang="en-US" b="0" i="1" smtClean="0">
+                            <a:latin typeface="Cambria Math" panose="02040503050406030204" pitchFamily="18" charset="0"/>
+                          </a:rPr>
+                          <m:t> </m:t>
+                        </m:r>
+                        <m:r>
+                          <a:rPr lang="en-US" b="0" i="1" smtClean="0">
+                            <a:latin typeface="Cambria Math" panose="02040503050406030204" pitchFamily="18" charset="0"/>
+                          </a:rPr>
+                          <m:t>𝑝𝑜𝑖𝑛𝑡</m:t>
+                        </m:r>
+                      </m:e>
+                    </m:rad>
+                  </m:oMath>
+                </a14:m>
+                <a:endParaRPr lang="en-US" dirty="0"/>
+              </a:p>
+            </p:txBody>
+          </p:sp>
+        </mc:Choice>
+        <mc:Fallback>
+          <p:sp>
+            <p:nvSpPr>
+              <p:cNvPr id="2" name="TextBox 1">
+                <a:extLst>
+                  <a:ext uri="{FF2B5EF4-FFF2-40B4-BE49-F238E27FC236}">
+                    <a16:creationId xmlns:a16="http://schemas.microsoft.com/office/drawing/2014/main" id="{7640F7B7-F401-C833-2F4F-F720CEF7CD25}"/>
+                  </a:ext>
+                </a:extLst>
+              </p:cNvPr>
+              <p:cNvSpPr txBox="1">
+                <a:spLocks noRot="1" noChangeAspect="1" noMove="1" noResize="1" noEditPoints="1" noAdjustHandles="1" noChangeArrowheads="1" noChangeShapeType="1" noTextEdit="1"/>
+              </p:cNvSpPr>
+              <p:nvPr/>
+            </p:nvSpPr>
+            <p:spPr>
+              <a:xfrm>
+                <a:off x="785813" y="6200775"/>
+                <a:ext cx="3654847" cy="427746"/>
+              </a:xfrm>
+              <a:prstGeom prst="rect">
+                <a:avLst/>
+              </a:prstGeom>
+              <a:blipFill>
+                <a:blip r:embed="rId3"/>
+                <a:stretch>
+                  <a:fillRect l="-1503" b="-20000"/>
+                </a:stretch>
+              </a:blipFill>
+            </p:spPr>
+            <p:txBody>
+              <a:bodyPr/>
+              <a:lstStyle/>
+              <a:p>
+                <a:r>
+                  <a:rPr lang="en-US">
+                    <a:noFill/>
+                  </a:rPr>
+                  <a:t> </a:t>
+                </a:r>
+              </a:p>
+            </p:txBody>
+          </p:sp>
+        </mc:Fallback>
+      </mc:AlternateContent>
     </p:spTree>
     <p:extLst>
       <p:ext uri="{BB962C8B-B14F-4D97-AF65-F5344CB8AC3E}">
         <p14:creationId xmlns:p14="http://schemas.microsoft.com/office/powerpoint/2010/main" val="3790095019"/>
+      </p:ext>
+    </p:extLst>
+  </p:cSld>
+  <p:clrMapOvr>
+    <a:masterClrMapping/>
+  </p:clrMapOvr>
+</p:sld>
+</file>
+
+<file path=ppt/slides/slide2.xml><?xml version="1.0" encoding="utf-8"?>
+<p:sld xmlns:a="http://schemas.openxmlformats.org/drawingml/2006/main" xmlns:r="http://schemas.openxmlformats.org/officeDocument/2006/relationships" xmlns:p="http://schemas.openxmlformats.org/presentationml/2006/main">
+  <p:cSld>
+    <p:spTree>
+      <p:nvGrpSpPr>
+        <p:cNvPr id="1" name=""/>
+        <p:cNvGrpSpPr/>
+        <p:nvPr/>
+      </p:nvGrpSpPr>
+      <p:grpSpPr>
+        <a:xfrm>
+          <a:off x="0" y="0"/>
+          <a:ext cx="0" cy="0"/>
+          <a:chOff x="0" y="0"/>
+          <a:chExt cx="0" cy="0"/>
+        </a:xfrm>
+      </p:grpSpPr>
+      <mc:AlternateContent xmlns:mc="http://schemas.openxmlformats.org/markup-compatibility/2006">
+        <mc:Choice xmlns:a14="http://schemas.microsoft.com/office/drawing/2010/main" Requires="a14">
+          <p:sp>
+            <p:nvSpPr>
+              <p:cNvPr id="3" name="Content Placeholder 2">
+                <a:extLst>
+                  <a:ext uri="{FF2B5EF4-FFF2-40B4-BE49-F238E27FC236}">
+                    <a16:creationId xmlns:a16="http://schemas.microsoft.com/office/drawing/2014/main" id="{15B03A42-DF5B-5ED1-27AA-38CE7B761820}"/>
+                  </a:ext>
+                </a:extLst>
+              </p:cNvPr>
+              <p:cNvSpPr>
+                <a:spLocks noGrp="1"/>
+              </p:cNvSpPr>
+              <p:nvPr>
+                <p:ph idx="1"/>
+              </p:nvPr>
+            </p:nvSpPr>
+            <p:spPr/>
+            <p:txBody>
+              <a:bodyPr/>
+              <a:lstStyle/>
+              <a:p>
+                <a:pPr marL="0" indent="0">
+                  <a:buNone/>
+                </a:pPr>
+                <a:r>
+                  <a:rPr lang="en-US" dirty="0"/>
+                  <a:t>Optimal K value:</a:t>
+                </a:r>
+                <a14:m>
+                  <m:oMath xmlns:m="http://schemas.openxmlformats.org/officeDocument/2006/math">
+                    <a:fld id="{825F15A7-03F4-43D7-82C5-3E23DA2F108C}" type="mathplaceholder">
+                      <a:rPr lang="en-US" i="1" smtClean="0">
+                        <a:latin typeface="Cambria Math" panose="02040503050406030204" pitchFamily="18" charset="0"/>
+                      </a:rPr>
+                      <a:t>Type equation here.</a:t>
+                    </a:fld>
+                  </m:oMath>
+                </a14:m>
+                <a:endParaRPr lang="en-US" dirty="0"/>
+              </a:p>
+            </p:txBody>
+          </p:sp>
+        </mc:Choice>
+        <mc:Fallback>
+          <p:sp>
+            <p:nvSpPr>
+              <p:cNvPr id="3" name="Content Placeholder 2">
+                <a:extLst>
+                  <a:ext uri="{FF2B5EF4-FFF2-40B4-BE49-F238E27FC236}">
+                    <a16:creationId xmlns:a16="http://schemas.microsoft.com/office/drawing/2014/main" id="{15B03A42-DF5B-5ED1-27AA-38CE7B761820}"/>
+                  </a:ext>
+                </a:extLst>
+              </p:cNvPr>
+              <p:cNvSpPr>
+                <a:spLocks noGrp="1" noRot="1" noChangeAspect="1" noMove="1" noResize="1" noEditPoints="1" noAdjustHandles="1" noChangeArrowheads="1" noChangeShapeType="1" noTextEdit="1"/>
+              </p:cNvSpPr>
+              <p:nvPr>
+                <p:ph idx="1"/>
+              </p:nvPr>
+            </p:nvSpPr>
+            <p:spPr>
+              <a:blipFill>
+                <a:blip r:embed="rId2"/>
+                <a:stretch>
+                  <a:fillRect l="-1217" t="-2241"/>
+                </a:stretch>
+              </a:blipFill>
+            </p:spPr>
+            <p:txBody>
+              <a:bodyPr/>
+              <a:lstStyle/>
+              <a:p>
+                <a:r>
+                  <a:rPr lang="en-US">
+                    <a:noFill/>
+                  </a:rPr>
+                  <a:t> </a:t>
+                </a:r>
+              </a:p>
+            </p:txBody>
+          </p:sp>
+        </mc:Fallback>
+      </mc:AlternateContent>
+    </p:spTree>
+    <p:extLst>
+      <p:ext uri="{BB962C8B-B14F-4D97-AF65-F5344CB8AC3E}">
+        <p14:creationId xmlns:p14="http://schemas.microsoft.com/office/powerpoint/2010/main" val="2327608213"/>
+      </p:ext>
+    </p:extLst>
+  </p:cSld>
+  <p:clrMapOvr>
+    <a:masterClrMapping/>
+  </p:clrMapOvr>
+</p:sld>
+</file>
+
+<file path=ppt/slides/slide3.xml><?xml version="1.0" encoding="utf-8"?>
+<p:sld xmlns:a="http://schemas.openxmlformats.org/drawingml/2006/main" xmlns:r="http://schemas.openxmlformats.org/officeDocument/2006/relationships" xmlns:p="http://schemas.openxmlformats.org/presentationml/2006/main">
+  <p:cSld>
+    <p:spTree>
+      <p:nvGrpSpPr>
+        <p:cNvPr id="1" name=""/>
+        <p:cNvGrpSpPr/>
+        <p:nvPr/>
+      </p:nvGrpSpPr>
+      <p:grpSpPr>
+        <a:xfrm>
+          <a:off x="0" y="0"/>
+          <a:ext cx="0" cy="0"/>
+          <a:chOff x="0" y="0"/>
+          <a:chExt cx="0" cy="0"/>
+        </a:xfrm>
+      </p:grpSpPr>
+      <p:pic>
+        <p:nvPicPr>
+          <p:cNvPr id="5" name="Picture 4">
+            <a:extLst>
+              <a:ext uri="{FF2B5EF4-FFF2-40B4-BE49-F238E27FC236}">
+                <a16:creationId xmlns:a16="http://schemas.microsoft.com/office/drawing/2014/main" id="{E683B410-CE32-5EE9-18C4-7CF3B2440250}"/>
+              </a:ext>
+            </a:extLst>
+          </p:cNvPr>
+          <p:cNvPicPr>
+            <a:picLocks noChangeAspect="1"/>
+          </p:cNvPicPr>
+          <p:nvPr/>
+        </p:nvPicPr>
+        <p:blipFill>
+          <a:blip r:embed="rId2"/>
+          <a:stretch>
+            <a:fillRect/>
+          </a:stretch>
+        </p:blipFill>
+        <p:spPr>
+          <a:xfrm>
+            <a:off x="0" y="3628"/>
+            <a:ext cx="12192000" cy="6850743"/>
+          </a:xfrm>
+          <a:prstGeom prst="rect">
+            <a:avLst/>
+          </a:prstGeom>
+        </p:spPr>
+      </p:pic>
+    </p:spTree>
+    <p:extLst>
+      <p:ext uri="{BB962C8B-B14F-4D97-AF65-F5344CB8AC3E}">
+        <p14:creationId xmlns:p14="http://schemas.microsoft.com/office/powerpoint/2010/main" val="3560499746"/>
       </p:ext>
     </p:extLst>
   </p:cSld>
